--- a/day3/Closing_Thoughts.pptx
+++ b/day3/Closing_Thoughts.pptx
@@ -201,7 +201,7 @@
           <a:p>
             <a:fld id="{2BB4664A-E94C-1E48-87DE-6B2D861CC4E3}" type="datetimeFigureOut">
               <a:rPr lang="en-US" smtClean="0"/>
-              <a:t>12/20/17</a:t>
+              <a:t>3/25/18</a:t>
             </a:fld>
             <a:endParaRPr lang="en-US"/>
           </a:p>
@@ -687,7 +687,7 @@
           <a:p>
             <a:fld id="{E70F27B2-3269-4E45-84E0-3A554EA5F6EB}" type="datetimeFigureOut">
               <a:rPr lang="en-US" smtClean="0"/>
-              <a:t>12/20/17</a:t>
+              <a:t>3/25/18</a:t>
             </a:fld>
             <a:endParaRPr lang="en-US"/>
           </a:p>
@@ -855,7 +855,7 @@
           <a:p>
             <a:fld id="{E70F27B2-3269-4E45-84E0-3A554EA5F6EB}" type="datetimeFigureOut">
               <a:rPr lang="en-US" smtClean="0"/>
-              <a:t>12/20/17</a:t>
+              <a:t>3/25/18</a:t>
             </a:fld>
             <a:endParaRPr lang="en-US"/>
           </a:p>
@@ -1033,7 +1033,7 @@
           <a:p>
             <a:fld id="{E70F27B2-3269-4E45-84E0-3A554EA5F6EB}" type="datetimeFigureOut">
               <a:rPr lang="en-US" smtClean="0"/>
-              <a:t>12/20/17</a:t>
+              <a:t>3/25/18</a:t>
             </a:fld>
             <a:endParaRPr lang="en-US"/>
           </a:p>
@@ -1344,7 +1344,7 @@
           <a:p>
             <a:fld id="{E70F27B2-3269-4E45-84E0-3A554EA5F6EB}" type="datetimeFigureOut">
               <a:rPr lang="en-US" smtClean="0"/>
-              <a:t>12/20/17</a:t>
+              <a:t>3/25/18</a:t>
             </a:fld>
             <a:endParaRPr lang="en-US"/>
           </a:p>
@@ -1589,7 +1589,7 @@
           <a:p>
             <a:fld id="{E70F27B2-3269-4E45-84E0-3A554EA5F6EB}" type="datetimeFigureOut">
               <a:rPr lang="en-US" smtClean="0"/>
-              <a:t>12/20/17</a:t>
+              <a:t>3/25/18</a:t>
             </a:fld>
             <a:endParaRPr lang="en-US"/>
           </a:p>
@@ -1818,7 +1818,7 @@
           <a:p>
             <a:fld id="{E70F27B2-3269-4E45-84E0-3A554EA5F6EB}" type="datetimeFigureOut">
               <a:rPr lang="en-US" smtClean="0"/>
-              <a:t>12/20/17</a:t>
+              <a:t>3/25/18</a:t>
             </a:fld>
             <a:endParaRPr lang="en-US"/>
           </a:p>
@@ -2182,7 +2182,7 @@
           <a:p>
             <a:fld id="{E70F27B2-3269-4E45-84E0-3A554EA5F6EB}" type="datetimeFigureOut">
               <a:rPr lang="en-US" smtClean="0"/>
-              <a:t>12/20/17</a:t>
+              <a:t>3/25/18</a:t>
             </a:fld>
             <a:endParaRPr lang="en-US"/>
           </a:p>
@@ -2299,7 +2299,7 @@
           <a:p>
             <a:fld id="{E70F27B2-3269-4E45-84E0-3A554EA5F6EB}" type="datetimeFigureOut">
               <a:rPr lang="en-US" smtClean="0"/>
-              <a:t>12/20/17</a:t>
+              <a:t>3/25/18</a:t>
             </a:fld>
             <a:endParaRPr lang="en-US"/>
           </a:p>
@@ -2394,7 +2394,7 @@
           <a:p>
             <a:fld id="{E70F27B2-3269-4E45-84E0-3A554EA5F6EB}" type="datetimeFigureOut">
               <a:rPr lang="en-US" smtClean="0"/>
-              <a:t>12/20/17</a:t>
+              <a:t>3/25/18</a:t>
             </a:fld>
             <a:endParaRPr lang="en-US"/>
           </a:p>
@@ -2669,7 +2669,7 @@
           <a:p>
             <a:fld id="{E70F27B2-3269-4E45-84E0-3A554EA5F6EB}" type="datetimeFigureOut">
               <a:rPr lang="en-US" smtClean="0"/>
-              <a:t>12/20/17</a:t>
+              <a:t>3/25/18</a:t>
             </a:fld>
             <a:endParaRPr lang="en-US"/>
           </a:p>
@@ -2921,7 +2921,7 @@
           <a:p>
             <a:fld id="{E70F27B2-3269-4E45-84E0-3A554EA5F6EB}" type="datetimeFigureOut">
               <a:rPr lang="en-US" smtClean="0"/>
-              <a:t>12/20/17</a:t>
+              <a:t>3/25/18</a:t>
             </a:fld>
             <a:endParaRPr lang="en-US"/>
           </a:p>
@@ -3132,7 +3132,7 @@
           <a:p>
             <a:fld id="{E70F27B2-3269-4E45-84E0-3A554EA5F6EB}" type="datetimeFigureOut">
               <a:rPr lang="en-US" smtClean="0"/>
-              <a:t>12/20/17</a:t>
+              <a:t>3/25/18</a:t>
             </a:fld>
             <a:endParaRPr lang="en-US"/>
           </a:p>
@@ -3635,17 +3635,17 @@
           </a:ln>
           <a:extLst>
             <a:ext uri="{FAA26D3D-D897-4be2-8F04-BA451C77F1D7}">
-              <ma14:placeholderFlag xmlns:ma14="http://schemas.microsoft.com/office/mac/drawingml/2011/main" xmlns="" val="1"/>
+              <ma14:placeholderFlag xmlns="" xmlns:ma14="http://schemas.microsoft.com/office/mac/drawingml/2011/main" val="1"/>
             </a:ext>
             <a:ext uri="{909E8E84-426E-40dd-AFC4-6F175D3DCCD1}">
-              <a14:hiddenFill xmlns:a14="http://schemas.microsoft.com/office/drawing/2010/main" xmlns="">
+              <a14:hiddenFill xmlns="" xmlns:a14="http://schemas.microsoft.com/office/drawing/2010/main">
                 <a:solidFill>
                   <a:srgbClr val="FFFFFF"/>
                 </a:solidFill>
               </a14:hiddenFill>
             </a:ext>
             <a:ext uri="{91240B29-F687-4f45-9708-019B960494DF}">
-              <a14:hiddenLine xmlns:a14="http://schemas.microsoft.com/office/drawing/2010/main" xmlns="" w="9525">
+              <a14:hiddenLine xmlns="" xmlns:a14="http://schemas.microsoft.com/office/drawing/2010/main" w="9525">
                 <a:solidFill>
                   <a:srgbClr val="000000"/>
                 </a:solidFill>
@@ -4587,8 +4587,21 @@
           <a:p>
             <a:r>
               <a:rPr lang="en-US" dirty="0"/>
-              <a:t>workshop     ACTIVE  Saturday Dec 23 11pm, 2017</a:t>
-            </a:r>
+              <a:t>workshop     ACTIVE  </a:t>
+            </a:r>
+            <a:r>
+              <a:rPr lang="en-US"/>
+              <a:t>Saturday March 25 </a:t>
+            </a:r>
+            <a:r>
+              <a:rPr lang="en-US" dirty="0"/>
+              <a:t>11pm</a:t>
+            </a:r>
+            <a:r>
+              <a:rPr lang="en-US"/>
+              <a:t>, 2018</a:t>
+            </a:r>
+            <a:endParaRPr lang="en-US" dirty="0"/>
           </a:p>
           <a:p>
             <a:pPr marL="0" indent="0">
